--- a/2023/2023-03/2023-03-20/problem.pptx
+++ b/2023/2023-03/2023-03-20/problem.pptx
@@ -5,10 +5,7 @@
     <p:sldMasterId id="2147483732" r:id="rId1"/>
   </p:sldMasterIdLst>
   <p:sldIdLst>
-    <p:sldId id="256" r:id="rId2"/>
-    <p:sldId id="266" r:id="rId3"/>
-    <p:sldId id="259" r:id="rId4"/>
-    <p:sldId id="262" r:id="rId5"/>
+    <p:sldId id="266" r:id="rId2"/>
   </p:sldIdLst>
   <p:sldSz cx="12192000" cy="6858000"/>
   <p:notesSz cx="6858000" cy="9144000"/>
@@ -446,7 +443,7 @@
           <a:p>
             <a:fld id="{13CAB402-B863-4AA4-B7CA-C5BADD25EDE0}" type="datetimeFigureOut">
               <a:rPr lang="en-US" smtClean="0"/>
-              <a:t>3/20/2023</a:t>
+              <a:t>3/30/2023</a:t>
             </a:fld>
             <a:endParaRPr lang="en-US"/>
           </a:p>
@@ -770,7 +767,7 @@
           <a:p>
             <a:fld id="{13CAB402-B863-4AA4-B7CA-C5BADD25EDE0}" type="datetimeFigureOut">
               <a:rPr lang="en-US" smtClean="0"/>
-              <a:t>3/20/2023</a:t>
+              <a:t>3/30/2023</a:t>
             </a:fld>
             <a:endParaRPr lang="en-US"/>
           </a:p>
@@ -1018,7 +1015,7 @@
           <a:p>
             <a:fld id="{13CAB402-B863-4AA4-B7CA-C5BADD25EDE0}" type="datetimeFigureOut">
               <a:rPr lang="en-US" smtClean="0"/>
-              <a:t>3/20/2023</a:t>
+              <a:t>3/30/2023</a:t>
             </a:fld>
             <a:endParaRPr lang="en-US"/>
           </a:p>
@@ -1357,7 +1354,7 @@
           <a:p>
             <a:fld id="{13CAB402-B863-4AA4-B7CA-C5BADD25EDE0}" type="datetimeFigureOut">
               <a:rPr lang="en-US" smtClean="0"/>
-              <a:t>3/20/2023</a:t>
+              <a:t>3/30/2023</a:t>
             </a:fld>
             <a:endParaRPr lang="en-US"/>
           </a:p>
@@ -1704,7 +1701,7 @@
           <a:p>
             <a:fld id="{13CAB402-B863-4AA4-B7CA-C5BADD25EDE0}" type="datetimeFigureOut">
               <a:rPr lang="en-US" smtClean="0"/>
-              <a:t>3/20/2023</a:t>
+              <a:t>3/30/2023</a:t>
             </a:fld>
             <a:endParaRPr lang="en-US"/>
           </a:p>
@@ -2078,7 +2075,7 @@
           <a:p>
             <a:fld id="{13CAB402-B863-4AA4-B7CA-C5BADD25EDE0}" type="datetimeFigureOut">
               <a:rPr lang="en-US" smtClean="0"/>
-              <a:t>3/20/2023</a:t>
+              <a:t>3/30/2023</a:t>
             </a:fld>
             <a:endParaRPr lang="en-US"/>
           </a:p>
@@ -2548,7 +2545,7 @@
           <a:p>
             <a:fld id="{13CAB402-B863-4AA4-B7CA-C5BADD25EDE0}" type="datetimeFigureOut">
               <a:rPr lang="en-US" smtClean="0"/>
-              <a:t>3/20/2023</a:t>
+              <a:t>3/30/2023</a:t>
             </a:fld>
             <a:endParaRPr lang="en-US"/>
           </a:p>
@@ -2753,7 +2750,7 @@
           <a:p>
             <a:fld id="{13CAB402-B863-4AA4-B7CA-C5BADD25EDE0}" type="datetimeFigureOut">
               <a:rPr lang="en-US" smtClean="0"/>
-              <a:t>3/20/2023</a:t>
+              <a:t>3/30/2023</a:t>
             </a:fld>
             <a:endParaRPr lang="en-US"/>
           </a:p>
@@ -2964,7 +2961,7 @@
           <a:p>
             <a:fld id="{13CAB402-B863-4AA4-B7CA-C5BADD25EDE0}" type="datetimeFigureOut">
               <a:rPr lang="en-US" smtClean="0"/>
-              <a:t>3/20/2023</a:t>
+              <a:t>3/30/2023</a:t>
             </a:fld>
             <a:endParaRPr lang="en-US"/>
           </a:p>
@@ -3196,7 +3193,7 @@
           <a:p>
             <a:fld id="{13CAB402-B863-4AA4-B7CA-C5BADD25EDE0}" type="datetimeFigureOut">
               <a:rPr lang="en-US" smtClean="0"/>
-              <a:t>3/20/2023</a:t>
+              <a:t>3/30/2023</a:t>
             </a:fld>
             <a:endParaRPr lang="en-US"/>
           </a:p>
@@ -3444,7 +3441,7 @@
           <a:p>
             <a:fld id="{13CAB402-B863-4AA4-B7CA-C5BADD25EDE0}" type="datetimeFigureOut">
               <a:rPr lang="en-US" smtClean="0"/>
-              <a:t>3/20/2023</a:t>
+              <a:t>3/30/2023</a:t>
             </a:fld>
             <a:endParaRPr lang="en-US"/>
           </a:p>
@@ -3742,7 +3739,7 @@
           <a:p>
             <a:fld id="{13CAB402-B863-4AA4-B7CA-C5BADD25EDE0}" type="datetimeFigureOut">
               <a:rPr lang="en-US" smtClean="0"/>
-              <a:t>3/20/2023</a:t>
+              <a:t>3/30/2023</a:t>
             </a:fld>
             <a:endParaRPr lang="en-US"/>
           </a:p>
@@ -4136,7 +4133,7 @@
           <a:p>
             <a:fld id="{13CAB402-B863-4AA4-B7CA-C5BADD25EDE0}" type="datetimeFigureOut">
               <a:rPr lang="en-US" smtClean="0"/>
-              <a:t>3/20/2023</a:t>
+              <a:t>3/30/2023</a:t>
             </a:fld>
             <a:endParaRPr lang="en-US"/>
           </a:p>
@@ -4285,7 +4282,7 @@
           <a:p>
             <a:fld id="{13CAB402-B863-4AA4-B7CA-C5BADD25EDE0}" type="datetimeFigureOut">
               <a:rPr lang="en-US" smtClean="0"/>
-              <a:t>3/20/2023</a:t>
+              <a:t>3/30/2023</a:t>
             </a:fld>
             <a:endParaRPr lang="en-US"/>
           </a:p>
@@ -4411,7 +4408,7 @@
           <a:p>
             <a:fld id="{13CAB402-B863-4AA4-B7CA-C5BADD25EDE0}" type="datetimeFigureOut">
               <a:rPr lang="en-US" smtClean="0"/>
-              <a:t>3/20/2023</a:t>
+              <a:t>3/30/2023</a:t>
             </a:fld>
             <a:endParaRPr lang="en-US"/>
           </a:p>
@@ -4666,7 +4663,7 @@
           <a:p>
             <a:fld id="{13CAB402-B863-4AA4-B7CA-C5BADD25EDE0}" type="datetimeFigureOut">
               <a:rPr lang="en-US" smtClean="0"/>
-              <a:t>3/20/2023</a:t>
+              <a:t>3/30/2023</a:t>
             </a:fld>
             <a:endParaRPr lang="en-US"/>
           </a:p>
@@ -4981,7 +4978,7 @@
           <a:p>
             <a:fld id="{13CAB402-B863-4AA4-B7CA-C5BADD25EDE0}" type="datetimeFigureOut">
               <a:rPr lang="en-US" smtClean="0"/>
-              <a:t>3/20/2023</a:t>
+              <a:t>3/30/2023</a:t>
             </a:fld>
             <a:endParaRPr lang="en-US"/>
           </a:p>
@@ -5332,7 +5329,7 @@
           <a:p>
             <a:fld id="{13CAB402-B863-4AA4-B7CA-C5BADD25EDE0}" type="datetimeFigureOut">
               <a:rPr lang="en-US" smtClean="0"/>
-              <a:t>3/20/2023</a:t>
+              <a:t>3/30/2023</a:t>
             </a:fld>
             <a:endParaRPr lang="en-US"/>
           </a:p>
@@ -5880,89 +5877,6 @@
           <p:cNvPr id="2" name="Title 1">
             <a:extLst>
               <a:ext uri="{FF2B5EF4-FFF2-40B4-BE49-F238E27FC236}">
-                <a16:creationId xmlns:a16="http://schemas.microsoft.com/office/drawing/2014/main" id="{CA317722-9261-B16F-DF2C-8CF6D23E8851}"/>
-              </a:ext>
-            </a:extLst>
-          </p:cNvPr>
-          <p:cNvSpPr>
-            <a:spLocks noGrp="1"/>
-          </p:cNvSpPr>
-          <p:nvPr>
-            <p:ph type="ctrTitle"/>
-          </p:nvPr>
-        </p:nvSpPr>
-        <p:spPr/>
-        <p:txBody>
-          <a:bodyPr/>
-          <a:lstStyle/>
-          <a:p>
-            <a:r>
-              <a:rPr lang="en-US" dirty="0"/>
-              <a:t>Problem</a:t>
-            </a:r>
-          </a:p>
-        </p:txBody>
-      </p:sp>
-      <p:sp>
-        <p:nvSpPr>
-          <p:cNvPr id="3" name="Subtitle 2">
-            <a:extLst>
-              <a:ext uri="{FF2B5EF4-FFF2-40B4-BE49-F238E27FC236}">
-                <a16:creationId xmlns:a16="http://schemas.microsoft.com/office/drawing/2014/main" id="{043C9A1C-775D-C72F-DB2C-E4FD1E85D80F}"/>
-              </a:ext>
-            </a:extLst>
-          </p:cNvPr>
-          <p:cNvSpPr>
-            <a:spLocks noGrp="1"/>
-          </p:cNvSpPr>
-          <p:nvPr>
-            <p:ph type="subTitle" idx="1"/>
-          </p:nvPr>
-        </p:nvSpPr>
-        <p:spPr/>
-        <p:txBody>
-          <a:bodyPr/>
-          <a:lstStyle/>
-          <a:p>
-            <a:endParaRPr lang="en-US" dirty="0"/>
-          </a:p>
-        </p:txBody>
-      </p:sp>
-    </p:spTree>
-    <p:extLst>
-      <p:ext uri="{BB962C8B-B14F-4D97-AF65-F5344CB8AC3E}">
-        <p14:creationId xmlns:p14="http://schemas.microsoft.com/office/powerpoint/2010/main" val="19180934"/>
-      </p:ext>
-    </p:extLst>
-  </p:cSld>
-  <p:clrMapOvr>
-    <a:masterClrMapping/>
-  </p:clrMapOvr>
-</p:sld>
-</file>
-
-<file path=ppt/slides/slide2.xml><?xml version="1.0" encoding="utf-8"?>
-<p:sld xmlns:a="http://schemas.openxmlformats.org/drawingml/2006/main" xmlns:r="http://schemas.openxmlformats.org/officeDocument/2006/relationships" xmlns:p="http://schemas.openxmlformats.org/presentationml/2006/main">
-  <p:cSld>
-    <p:spTree>
-      <p:nvGrpSpPr>
-        <p:cNvPr id="1" name=""/>
-        <p:cNvGrpSpPr/>
-        <p:nvPr/>
-      </p:nvGrpSpPr>
-      <p:grpSpPr>
-        <a:xfrm>
-          <a:off x="0" y="0"/>
-          <a:ext cx="0" cy="0"/>
-          <a:chOff x="0" y="0"/>
-          <a:chExt cx="0" cy="0"/>
-        </a:xfrm>
-      </p:grpSpPr>
-      <p:sp>
-        <p:nvSpPr>
-          <p:cNvPr id="2" name="Title 1">
-            <a:extLst>
-              <a:ext uri="{FF2B5EF4-FFF2-40B4-BE49-F238E27FC236}">
                 <a16:creationId xmlns:a16="http://schemas.microsoft.com/office/drawing/2014/main" id="{813BBFBF-DA17-1002-A267-76DA2D1EC590}"/>
               </a:ext>
             </a:extLst>
@@ -5977,23 +5891,13 @@
         <p:spPr/>
         <p:txBody>
           <a:bodyPr>
-            <a:normAutofit fontScale="90000"/>
+            <a:normAutofit/>
           </a:bodyPr>
           <a:lstStyle/>
           <a:p>
             <a:r>
               <a:rPr lang="en-US" dirty="0"/>
-              <a:t>Play the </a:t>
-            </a:r>
-            <a:r>
-              <a:rPr lang="en-US" dirty="0">
-                <a:hlinkClick r:id="rId2"/>
-              </a:rPr>
-              <a:t>24 game</a:t>
-            </a:r>
-            <a:r>
-              <a:rPr lang="en-US" dirty="0"/>
-              <a:t> using the following numbers</a:t>
+              <a:t>Problem</a:t>
             </a:r>
           </a:p>
         </p:txBody>
@@ -6021,28 +5925,49 @@
           <a:p>
             <a:r>
               <a:rPr lang="en-US" dirty="0"/>
+              <a:t>Play the </a:t>
+            </a:r>
+            <a:r>
+              <a:rPr lang="en-US" dirty="0">
+                <a:hlinkClick r:id="rId2"/>
+              </a:rPr>
+              <a:t>24 game</a:t>
+            </a:r>
+            <a:r>
+              <a:rPr lang="en-US" dirty="0"/>
+              <a:t> using the following numbers</a:t>
+            </a:r>
+          </a:p>
+          <a:p>
+            <a:pPr lvl="1"/>
+            <a:r>
+              <a:rPr lang="en-US" dirty="0"/>
               <a:t>2, 4, 6, 11</a:t>
             </a:r>
           </a:p>
           <a:p>
+            <a:pPr lvl="1"/>
             <a:r>
               <a:rPr lang="en-US" dirty="0"/>
               <a:t>3, 4, 5, 11</a:t>
             </a:r>
           </a:p>
           <a:p>
+            <a:pPr lvl="1"/>
             <a:r>
               <a:rPr lang="en-US" dirty="0"/>
               <a:t>3, 7, 8, 11</a:t>
             </a:r>
           </a:p>
           <a:p>
+            <a:pPr lvl="1"/>
             <a:r>
               <a:rPr lang="en-US" dirty="0"/>
               <a:t>2, 6, 8, 13</a:t>
             </a:r>
           </a:p>
           <a:p>
+            <a:pPr lvl="1"/>
             <a:r>
               <a:rPr lang="en-US" dirty="0"/>
               <a:t>5, 6, 8, 10</a:t>
@@ -6057,234 +5982,6 @@
     <p:extLst>
       <p:ext uri="{BB962C8B-B14F-4D97-AF65-F5344CB8AC3E}">
         <p14:creationId xmlns:p14="http://schemas.microsoft.com/office/powerpoint/2010/main" val="1126428353"/>
-      </p:ext>
-    </p:extLst>
-  </p:cSld>
-  <p:clrMapOvr>
-    <a:masterClrMapping/>
-  </p:clrMapOvr>
-</p:sld>
-</file>
-
-<file path=ppt/slides/slide3.xml><?xml version="1.0" encoding="utf-8"?>
-<p:sld xmlns:a="http://schemas.openxmlformats.org/drawingml/2006/main" xmlns:r="http://schemas.openxmlformats.org/officeDocument/2006/relationships" xmlns:p="http://schemas.openxmlformats.org/presentationml/2006/main">
-  <p:cSld>
-    <p:spTree>
-      <p:nvGrpSpPr>
-        <p:cNvPr id="1" name=""/>
-        <p:cNvGrpSpPr/>
-        <p:nvPr/>
-      </p:nvGrpSpPr>
-      <p:grpSpPr>
-        <a:xfrm>
-          <a:off x="0" y="0"/>
-          <a:ext cx="0" cy="0"/>
-          <a:chOff x="0" y="0"/>
-          <a:chExt cx="0" cy="0"/>
-        </a:xfrm>
-      </p:grpSpPr>
-      <p:sp>
-        <p:nvSpPr>
-          <p:cNvPr id="2" name="Title 1">
-            <a:extLst>
-              <a:ext uri="{FF2B5EF4-FFF2-40B4-BE49-F238E27FC236}">
-                <a16:creationId xmlns:a16="http://schemas.microsoft.com/office/drawing/2014/main" id="{CA317722-9261-B16F-DF2C-8CF6D23E8851}"/>
-              </a:ext>
-            </a:extLst>
-          </p:cNvPr>
-          <p:cNvSpPr>
-            <a:spLocks noGrp="1"/>
-          </p:cNvSpPr>
-          <p:nvPr>
-            <p:ph type="ctrTitle"/>
-          </p:nvPr>
-        </p:nvSpPr>
-        <p:spPr/>
-        <p:txBody>
-          <a:bodyPr/>
-          <a:lstStyle/>
-          <a:p>
-            <a:r>
-              <a:rPr lang="en-US" dirty="0"/>
-              <a:t>Solution</a:t>
-            </a:r>
-          </a:p>
-        </p:txBody>
-      </p:sp>
-      <p:sp>
-        <p:nvSpPr>
-          <p:cNvPr id="3" name="Subtitle 2">
-            <a:extLst>
-              <a:ext uri="{FF2B5EF4-FFF2-40B4-BE49-F238E27FC236}">
-                <a16:creationId xmlns:a16="http://schemas.microsoft.com/office/drawing/2014/main" id="{043C9A1C-775D-C72F-DB2C-E4FD1E85D80F}"/>
-              </a:ext>
-            </a:extLst>
-          </p:cNvPr>
-          <p:cNvSpPr>
-            <a:spLocks noGrp="1"/>
-          </p:cNvSpPr>
-          <p:nvPr>
-            <p:ph type="subTitle" idx="1"/>
-          </p:nvPr>
-        </p:nvSpPr>
-        <p:spPr/>
-        <p:txBody>
-          <a:bodyPr/>
-          <a:lstStyle/>
-          <a:p>
-            <a:endParaRPr lang="en-US" dirty="0"/>
-          </a:p>
-        </p:txBody>
-      </p:sp>
-      <p:cxnSp>
-        <p:nvCxnSpPr>
-          <p:cNvPr id="4" name="Straight Connector 3">
-            <a:extLst>
-              <a:ext uri="{FF2B5EF4-FFF2-40B4-BE49-F238E27FC236}">
-                <a16:creationId xmlns:a16="http://schemas.microsoft.com/office/drawing/2014/main" id="{AA241FF2-783E-F0FB-BBB6-BDB4BE717A67}"/>
-              </a:ext>
-            </a:extLst>
-          </p:cNvPr>
-          <p:cNvCxnSpPr>
-            <a:cxnSpLocks/>
-          </p:cNvCxnSpPr>
-          <p:nvPr/>
-        </p:nvCxnSpPr>
-        <p:spPr>
-          <a:xfrm>
-            <a:off x="11580671" y="7607456"/>
-            <a:ext cx="1219200" cy="0"/>
-          </a:xfrm>
-          <a:prstGeom prst="line">
-            <a:avLst/>
-          </a:prstGeom>
-          <a:ln w="25400">
-            <a:solidFill>
-              <a:schemeClr val="tx1"/>
-            </a:solidFill>
-          </a:ln>
-        </p:spPr>
-        <p:style>
-          <a:lnRef idx="1">
-            <a:schemeClr val="accent1"/>
-          </a:lnRef>
-          <a:fillRef idx="0">
-            <a:schemeClr val="accent1"/>
-          </a:fillRef>
-          <a:effectRef idx="0">
-            <a:schemeClr val="accent1"/>
-          </a:effectRef>
-          <a:fontRef idx="minor">
-            <a:schemeClr val="tx1"/>
-          </a:fontRef>
-        </p:style>
-      </p:cxnSp>
-    </p:spTree>
-    <p:extLst>
-      <p:ext uri="{BB962C8B-B14F-4D97-AF65-F5344CB8AC3E}">
-        <p14:creationId xmlns:p14="http://schemas.microsoft.com/office/powerpoint/2010/main" val="3901014800"/>
-      </p:ext>
-    </p:extLst>
-  </p:cSld>
-  <p:clrMapOvr>
-    <a:masterClrMapping/>
-  </p:clrMapOvr>
-</p:sld>
-</file>
-
-<file path=ppt/slides/slide4.xml><?xml version="1.0" encoding="utf-8"?>
-<p:sld xmlns:a="http://schemas.openxmlformats.org/drawingml/2006/main" xmlns:r="http://schemas.openxmlformats.org/officeDocument/2006/relationships" xmlns:p="http://schemas.openxmlformats.org/presentationml/2006/main">
-  <p:cSld>
-    <p:spTree>
-      <p:nvGrpSpPr>
-        <p:cNvPr id="1" name=""/>
-        <p:cNvGrpSpPr/>
-        <p:nvPr/>
-      </p:nvGrpSpPr>
-      <p:grpSpPr>
-        <a:xfrm>
-          <a:off x="0" y="0"/>
-          <a:ext cx="0" cy="0"/>
-          <a:chOff x="0" y="0"/>
-          <a:chExt cx="0" cy="0"/>
-        </a:xfrm>
-      </p:grpSpPr>
-      <p:sp>
-        <p:nvSpPr>
-          <p:cNvPr id="2" name="Title 1">
-            <a:extLst>
-              <a:ext uri="{FF2B5EF4-FFF2-40B4-BE49-F238E27FC236}">
-                <a16:creationId xmlns:a16="http://schemas.microsoft.com/office/drawing/2014/main" id="{56226C64-365C-4FF3-44C1-F1E828C19684}"/>
-              </a:ext>
-            </a:extLst>
-          </p:cNvPr>
-          <p:cNvSpPr>
-            <a:spLocks noGrp="1"/>
-          </p:cNvSpPr>
-          <p:nvPr>
-            <p:ph type="title"/>
-          </p:nvPr>
-        </p:nvSpPr>
-        <p:spPr/>
-        <p:txBody>
-          <a:bodyPr/>
-          <a:lstStyle/>
-          <a:p>
-            <a:r>
-              <a:rPr lang="en-US" dirty="0"/>
-              <a:t>Notes</a:t>
-            </a:r>
-          </a:p>
-        </p:txBody>
-      </p:sp>
-      <p:sp>
-        <p:nvSpPr>
-          <p:cNvPr id="3" name="Content Placeholder 2">
-            <a:extLst>
-              <a:ext uri="{FF2B5EF4-FFF2-40B4-BE49-F238E27FC236}">
-                <a16:creationId xmlns:a16="http://schemas.microsoft.com/office/drawing/2014/main" id="{F4F551EF-C73D-5C85-984A-ACA511573A8C}"/>
-              </a:ext>
-            </a:extLst>
-          </p:cNvPr>
-          <p:cNvSpPr>
-            <a:spLocks noGrp="1"/>
-          </p:cNvSpPr>
-          <p:nvPr>
-            <p:ph idx="1"/>
-          </p:nvPr>
-        </p:nvSpPr>
-        <p:spPr/>
-        <p:txBody>
-          <a:bodyPr/>
-          <a:lstStyle/>
-          <a:p>
-            <a:r>
-              <a:rPr lang="en-US" dirty="0"/>
-              <a:t>Go to </a:t>
-            </a:r>
-            <a:r>
-              <a:rPr lang="en-US" dirty="0">
-                <a:hlinkClick r:id="rId2"/>
-              </a:rPr>
-              <a:t>http://24solver.us-west-2.elasticbeanstalk.com/</a:t>
-            </a:r>
-            <a:r>
-              <a:rPr lang="en-US" dirty="0"/>
-              <a:t> to check the solutions.</a:t>
-            </a:r>
-          </a:p>
-          <a:p>
-            <a:r>
-              <a:rPr lang="en-US" dirty="0"/>
-              <a:t>24 is a great game of testing math skill and combinatorial skill.</a:t>
-            </a:r>
-          </a:p>
-        </p:txBody>
-      </p:sp>
-    </p:spTree>
-    <p:extLst>
-      <p:ext uri="{BB962C8B-B14F-4D97-AF65-F5344CB8AC3E}">
-        <p14:creationId xmlns:p14="http://schemas.microsoft.com/office/powerpoint/2010/main" val="4269573930"/>
       </p:ext>
     </p:extLst>
   </p:cSld>
